--- a/IE_BigData_FischerNovotnySchieferdecker_2019_01_12.pptx
+++ b/IE_BigData_FischerNovotnySchieferdecker_2019_01_12.pptx
@@ -321,7 +321,7 @@
             <a:fld id="{1D8BD707-D9CF-40AE-B4C6-C98DA3205C09}" type="datetimeFigureOut">
               <a:rPr lang="en-US" smtClean="0"/>
               <a:pPr/>
-              <a:t>1/11/2019</a:t>
+              <a:t>1/12/2019</a:t>
             </a:fld>
             <a:endParaRPr lang="en-US"/>
           </a:p>
@@ -523,7 +523,7 @@
             <a:fld id="{1D8BD707-D9CF-40AE-B4C6-C98DA3205C09}" type="datetimeFigureOut">
               <a:rPr lang="en-US" smtClean="0"/>
               <a:pPr/>
-              <a:t>1/11/2019</a:t>
+              <a:t>1/12/2019</a:t>
             </a:fld>
             <a:endParaRPr lang="en-US"/>
           </a:p>
@@ -700,7 +700,7 @@
             <a:fld id="{1D8BD707-D9CF-40AE-B4C6-C98DA3205C09}" type="datetimeFigureOut">
               <a:rPr lang="en-US" smtClean="0"/>
               <a:pPr/>
-              <a:t>1/11/2019</a:t>
+              <a:t>1/12/2019</a:t>
             </a:fld>
             <a:endParaRPr lang="en-US"/>
           </a:p>
@@ -867,7 +867,7 @@
             <a:fld id="{1D8BD707-D9CF-40AE-B4C6-C98DA3205C09}" type="datetimeFigureOut">
               <a:rPr lang="en-US" smtClean="0"/>
               <a:pPr/>
-              <a:t>1/11/2019</a:t>
+              <a:t>1/12/2019</a:t>
             </a:fld>
             <a:endParaRPr lang="en-US"/>
           </a:p>
@@ -1117,7 +1117,7 @@
             <a:fld id="{1D8BD707-D9CF-40AE-B4C6-C98DA3205C09}" type="datetimeFigureOut">
               <a:rPr lang="en-US" smtClean="0"/>
               <a:pPr/>
-              <a:t>1/11/2019</a:t>
+              <a:t>1/12/2019</a:t>
             </a:fld>
             <a:endParaRPr lang="en-US"/>
           </a:p>
@@ -1437,7 +1437,7 @@
             <a:fld id="{1D8BD707-D9CF-40AE-B4C6-C98DA3205C09}" type="datetimeFigureOut">
               <a:rPr lang="en-US" smtClean="0"/>
               <a:pPr/>
-              <a:t>1/11/2019</a:t>
+              <a:t>1/12/2019</a:t>
             </a:fld>
             <a:endParaRPr lang="en-US"/>
           </a:p>
@@ -1905,7 +1905,7 @@
             <a:fld id="{1D8BD707-D9CF-40AE-B4C6-C98DA3205C09}" type="datetimeFigureOut">
               <a:rPr lang="en-US" smtClean="0"/>
               <a:pPr/>
-              <a:t>1/11/2019</a:t>
+              <a:t>1/12/2019</a:t>
             </a:fld>
             <a:endParaRPr lang="en-US"/>
           </a:p>
@@ -2055,7 +2055,7 @@
             <a:fld id="{1D8BD707-D9CF-40AE-B4C6-C98DA3205C09}" type="datetimeFigureOut">
               <a:rPr lang="en-US" smtClean="0"/>
               <a:pPr/>
-              <a:t>1/11/2019</a:t>
+              <a:t>1/12/2019</a:t>
             </a:fld>
             <a:endParaRPr lang="en-US"/>
           </a:p>
@@ -2147,7 +2147,7 @@
             <a:fld id="{1D8BD707-D9CF-40AE-B4C6-C98DA3205C09}" type="datetimeFigureOut">
               <a:rPr lang="en-US" smtClean="0"/>
               <a:pPr/>
-              <a:t>1/11/2019</a:t>
+              <a:t>1/12/2019</a:t>
             </a:fld>
             <a:endParaRPr lang="en-US"/>
           </a:p>
@@ -2423,7 +2423,7 @@
             <a:fld id="{1D8BD707-D9CF-40AE-B4C6-C98DA3205C09}" type="datetimeFigureOut">
               <a:rPr lang="en-US" smtClean="0"/>
               <a:pPr/>
-              <a:t>1/11/2019</a:t>
+              <a:t>1/12/2019</a:t>
             </a:fld>
             <a:endParaRPr lang="en-US"/>
           </a:p>
@@ -2730,7 +2730,7 @@
             <a:fld id="{1D8BD707-D9CF-40AE-B4C6-C98DA3205C09}" type="datetimeFigureOut">
               <a:rPr lang="en-US" smtClean="0"/>
               <a:pPr/>
-              <a:t>1/11/2019</a:t>
+              <a:t>1/12/2019</a:t>
             </a:fld>
             <a:endParaRPr lang="en-US"/>
           </a:p>
@@ -3030,7 +3030,7 @@
             <a:fld id="{1D8BD707-D9CF-40AE-B4C6-C98DA3205C09}" type="datetimeFigureOut">
               <a:rPr lang="en-US" smtClean="0"/>
               <a:pPr/>
-              <a:t>1/11/2019</a:t>
+              <a:t>1/12/2019</a:t>
             </a:fld>
             <a:endParaRPr lang="en-US"/>
           </a:p>
@@ -3729,13 +3729,40 @@
           <a:p>
             <a:r>
               <a:rPr lang="de-CH" sz="2000" dirty="0"/>
-              <a:t>Einlesen der CSV Dateien (eine pro Jahr), wird sehr schön parallelisiert: 18 Dateien -&gt; 36 Jobs</a:t>
+              <a:t>Einlesen der CSV Dateien (eine pro Jahr) wird sehr schön parallelisiert: 18 Dateien -&gt; 36 Jobs</a:t>
             </a:r>
           </a:p>
           <a:p>
             <a:r>
               <a:rPr lang="de-CH" sz="2000" dirty="0"/>
-              <a:t>Parquet mag keine Leerzeichen in Attributnamen</a:t>
+              <a:t>Parquet mag keine Leerzeichen in Attributnamen. Umbenennen mit</a:t>
+            </a:r>
+            <a:br>
+              <a:rPr lang="de-CH" sz="2000" dirty="0"/>
+            </a:br>
+            <a:r>
+              <a:rPr lang="de-CH" sz="2000" dirty="0"/>
+              <a:t>  </a:t>
+            </a:r>
+            <a:r>
+              <a:rPr lang="en-US" sz="2000" dirty="0" err="1">
+                <a:highlight>
+                  <a:srgbClr val="C0C0C0"/>
+                </a:highlight>
+                <a:latin typeface="Calibri" panose="020F0502020204030204" pitchFamily="34" charset="0"/>
+                <a:cs typeface="Calibri" panose="020F0502020204030204" pitchFamily="34" charset="0"/>
+              </a:rPr>
+              <a:t>df.withColumnRenamed</a:t>
+            </a:r>
+            <a:r>
+              <a:rPr lang="en-US" sz="2000" dirty="0">
+                <a:highlight>
+                  <a:srgbClr val="C0C0C0"/>
+                </a:highlight>
+                <a:latin typeface="Calibri" panose="020F0502020204030204" pitchFamily="34" charset="0"/>
+                <a:cs typeface="Calibri" panose="020F0502020204030204" pitchFamily="34" charset="0"/>
+              </a:rPr>
+              <a:t>(&lt;old-name&gt;, &lt;new-name&gt;).collect()</a:t>
             </a:r>
           </a:p>
           <a:p>
